--- a/Présentation_G5.pptx
+++ b/Présentation_G5.pptx
@@ -254,7 +254,7 @@
           <a:p>
             <a:fld id="{638941B0-F4D5-4460-BCAD-F7E2B41A8257}" type="datetimeFigureOut">
               <a:rPr lang="fr-FR" smtClean="0"/>
-              <a:t>07/01/2024</a:t>
+              <a:t>08/01/2024</a:t>
             </a:fld>
             <a:endParaRPr lang="fr-FR"/>
           </a:p>
@@ -422,7 +422,7 @@
           <a:p>
             <a:fld id="{638941B0-F4D5-4460-BCAD-F7E2B41A8257}" type="datetimeFigureOut">
               <a:rPr lang="fr-FR" smtClean="0"/>
-              <a:t>07/01/2024</a:t>
+              <a:t>08/01/2024</a:t>
             </a:fld>
             <a:endParaRPr lang="fr-FR"/>
           </a:p>
@@ -600,7 +600,7 @@
           <a:p>
             <a:fld id="{638941B0-F4D5-4460-BCAD-F7E2B41A8257}" type="datetimeFigureOut">
               <a:rPr lang="fr-FR" smtClean="0"/>
-              <a:t>07/01/2024</a:t>
+              <a:t>08/01/2024</a:t>
             </a:fld>
             <a:endParaRPr lang="fr-FR"/>
           </a:p>
@@ -768,7 +768,7 @@
           <a:p>
             <a:fld id="{638941B0-F4D5-4460-BCAD-F7E2B41A8257}" type="datetimeFigureOut">
               <a:rPr lang="fr-FR" smtClean="0"/>
-              <a:t>07/01/2024</a:t>
+              <a:t>08/01/2024</a:t>
             </a:fld>
             <a:endParaRPr lang="fr-FR"/>
           </a:p>
@@ -1013,7 +1013,7 @@
           <a:p>
             <a:fld id="{638941B0-F4D5-4460-BCAD-F7E2B41A8257}" type="datetimeFigureOut">
               <a:rPr lang="fr-FR" smtClean="0"/>
-              <a:t>07/01/2024</a:t>
+              <a:t>08/01/2024</a:t>
             </a:fld>
             <a:endParaRPr lang="fr-FR"/>
           </a:p>
@@ -1242,7 +1242,7 @@
           <a:p>
             <a:fld id="{638941B0-F4D5-4460-BCAD-F7E2B41A8257}" type="datetimeFigureOut">
               <a:rPr lang="fr-FR" smtClean="0"/>
-              <a:t>07/01/2024</a:t>
+              <a:t>08/01/2024</a:t>
             </a:fld>
             <a:endParaRPr lang="fr-FR"/>
           </a:p>
@@ -1606,7 +1606,7 @@
           <a:p>
             <a:fld id="{638941B0-F4D5-4460-BCAD-F7E2B41A8257}" type="datetimeFigureOut">
               <a:rPr lang="fr-FR" smtClean="0"/>
-              <a:t>07/01/2024</a:t>
+              <a:t>08/01/2024</a:t>
             </a:fld>
             <a:endParaRPr lang="fr-FR"/>
           </a:p>
@@ -1723,7 +1723,7 @@
           <a:p>
             <a:fld id="{638941B0-F4D5-4460-BCAD-F7E2B41A8257}" type="datetimeFigureOut">
               <a:rPr lang="fr-FR" smtClean="0"/>
-              <a:t>07/01/2024</a:t>
+              <a:t>08/01/2024</a:t>
             </a:fld>
             <a:endParaRPr lang="fr-FR"/>
           </a:p>
@@ -1818,7 +1818,7 @@
           <a:p>
             <a:fld id="{638941B0-F4D5-4460-BCAD-F7E2B41A8257}" type="datetimeFigureOut">
               <a:rPr lang="fr-FR" smtClean="0"/>
-              <a:t>07/01/2024</a:t>
+              <a:t>08/01/2024</a:t>
             </a:fld>
             <a:endParaRPr lang="fr-FR"/>
           </a:p>
@@ -2093,7 +2093,7 @@
           <a:p>
             <a:fld id="{638941B0-F4D5-4460-BCAD-F7E2B41A8257}" type="datetimeFigureOut">
               <a:rPr lang="fr-FR" smtClean="0"/>
-              <a:t>07/01/2024</a:t>
+              <a:t>08/01/2024</a:t>
             </a:fld>
             <a:endParaRPr lang="fr-FR"/>
           </a:p>
@@ -2345,7 +2345,7 @@
           <a:p>
             <a:fld id="{638941B0-F4D5-4460-BCAD-F7E2B41A8257}" type="datetimeFigureOut">
               <a:rPr lang="fr-FR" smtClean="0"/>
-              <a:t>07/01/2024</a:t>
+              <a:t>08/01/2024</a:t>
             </a:fld>
             <a:endParaRPr lang="fr-FR"/>
           </a:p>
@@ -2556,7 +2556,7 @@
           <a:p>
             <a:fld id="{638941B0-F4D5-4460-BCAD-F7E2B41A8257}" type="datetimeFigureOut">
               <a:rPr lang="fr-FR" smtClean="0"/>
-              <a:t>07/01/2024</a:t>
+              <a:t>08/01/2024</a:t>
             </a:fld>
             <a:endParaRPr lang="fr-FR"/>
           </a:p>
@@ -3747,6 +3747,42 @@
           </a:p>
         </p:txBody>
       </p:sp>
+      <p:pic>
+        <p:nvPicPr>
+          <p:cNvPr id="6" name="Image 5" descr="Une image contenant texte, Police, logo, Graphique&#10;&#10;Description générée automatiquement">
+            <a:extLst>
+              <a:ext uri="{FF2B5EF4-FFF2-40B4-BE49-F238E27FC236}">
+                <a16:creationId xmlns:a16="http://schemas.microsoft.com/office/drawing/2014/main" id="{C13C8690-5F1A-D581-42DD-15339DD84D46}"/>
+              </a:ext>
+            </a:extLst>
+          </p:cNvPr>
+          <p:cNvPicPr>
+            <a:picLocks noChangeAspect="1"/>
+          </p:cNvPicPr>
+          <p:nvPr/>
+        </p:nvPicPr>
+        <p:blipFill>
+          <a:blip r:embed="rId3">
+            <a:extLst>
+              <a:ext uri="{28A0092B-C50C-407E-A947-70E740481C1C}">
+                <a14:useLocalDpi xmlns:a14="http://schemas.microsoft.com/office/drawing/2010/main" val="0"/>
+              </a:ext>
+            </a:extLst>
+          </a:blip>
+          <a:stretch>
+            <a:fillRect/>
+          </a:stretch>
+        </p:blipFill>
+        <p:spPr>
+          <a:xfrm>
+            <a:off x="4237037" y="4508976"/>
+            <a:ext cx="3514725" cy="1295400"/>
+          </a:xfrm>
+          <a:prstGeom prst="rect">
+            <a:avLst/>
+          </a:prstGeom>
+        </p:spPr>
+      </p:pic>
     </p:spTree>
     <p:extLst>
       <p:ext uri="{BB962C8B-B14F-4D97-AF65-F5344CB8AC3E}">
